--- a/src/assets/icon/icon.pptx
+++ b/src/assets/icon/icon.pptx
@@ -6,6 +6,7 @@
   </p:sldMasterIdLst>
   <p:sldIdLst>
     <p:sldId id="256" r:id="rId2"/>
+    <p:sldId id="257" r:id="rId3"/>
   </p:sldIdLst>
   <p:sldSz cx="12192000" cy="6858000"/>
   <p:notesSz cx="6858000" cy="9144000"/>
@@ -259,7 +260,7 @@
           <a:p>
             <a:fld id="{E1C639D8-6B48-3741-8F18-B6B04967A18F}" type="datetimeFigureOut">
               <a:rPr lang="en-US" smtClean="0"/>
-              <a:t>7/18/19</a:t>
+              <a:t>7/19/19</a:t>
             </a:fld>
             <a:endParaRPr lang="en-US"/>
           </a:p>
@@ -457,7 +458,7 @@
           <a:p>
             <a:fld id="{E1C639D8-6B48-3741-8F18-B6B04967A18F}" type="datetimeFigureOut">
               <a:rPr lang="en-US" smtClean="0"/>
-              <a:t>7/18/19</a:t>
+              <a:t>7/19/19</a:t>
             </a:fld>
             <a:endParaRPr lang="en-US"/>
           </a:p>
@@ -665,7 +666,7 @@
           <a:p>
             <a:fld id="{E1C639D8-6B48-3741-8F18-B6B04967A18F}" type="datetimeFigureOut">
               <a:rPr lang="en-US" smtClean="0"/>
-              <a:t>7/18/19</a:t>
+              <a:t>7/19/19</a:t>
             </a:fld>
             <a:endParaRPr lang="en-US"/>
           </a:p>
@@ -863,7 +864,7 @@
           <a:p>
             <a:fld id="{E1C639D8-6B48-3741-8F18-B6B04967A18F}" type="datetimeFigureOut">
               <a:rPr lang="en-US" smtClean="0"/>
-              <a:t>7/18/19</a:t>
+              <a:t>7/19/19</a:t>
             </a:fld>
             <a:endParaRPr lang="en-US"/>
           </a:p>
@@ -1138,7 +1139,7 @@
           <a:p>
             <a:fld id="{E1C639D8-6B48-3741-8F18-B6B04967A18F}" type="datetimeFigureOut">
               <a:rPr lang="en-US" smtClean="0"/>
-              <a:t>7/18/19</a:t>
+              <a:t>7/19/19</a:t>
             </a:fld>
             <a:endParaRPr lang="en-US"/>
           </a:p>
@@ -1403,7 +1404,7 @@
           <a:p>
             <a:fld id="{E1C639D8-6B48-3741-8F18-B6B04967A18F}" type="datetimeFigureOut">
               <a:rPr lang="en-US" smtClean="0"/>
-              <a:t>7/18/19</a:t>
+              <a:t>7/19/19</a:t>
             </a:fld>
             <a:endParaRPr lang="en-US"/>
           </a:p>
@@ -1815,7 +1816,7 @@
           <a:p>
             <a:fld id="{E1C639D8-6B48-3741-8F18-B6B04967A18F}" type="datetimeFigureOut">
               <a:rPr lang="en-US" smtClean="0"/>
-              <a:t>7/18/19</a:t>
+              <a:t>7/19/19</a:t>
             </a:fld>
             <a:endParaRPr lang="en-US"/>
           </a:p>
@@ -1956,7 +1957,7 @@
           <a:p>
             <a:fld id="{E1C639D8-6B48-3741-8F18-B6B04967A18F}" type="datetimeFigureOut">
               <a:rPr lang="en-US" smtClean="0"/>
-              <a:t>7/18/19</a:t>
+              <a:t>7/19/19</a:t>
             </a:fld>
             <a:endParaRPr lang="en-US"/>
           </a:p>
@@ -2069,7 +2070,7 @@
           <a:p>
             <a:fld id="{E1C639D8-6B48-3741-8F18-B6B04967A18F}" type="datetimeFigureOut">
               <a:rPr lang="en-US" smtClean="0"/>
-              <a:t>7/18/19</a:t>
+              <a:t>7/19/19</a:t>
             </a:fld>
             <a:endParaRPr lang="en-US"/>
           </a:p>
@@ -2380,7 +2381,7 @@
           <a:p>
             <a:fld id="{E1C639D8-6B48-3741-8F18-B6B04967A18F}" type="datetimeFigureOut">
               <a:rPr lang="en-US" smtClean="0"/>
-              <a:t>7/18/19</a:t>
+              <a:t>7/19/19</a:t>
             </a:fld>
             <a:endParaRPr lang="en-US"/>
           </a:p>
@@ -2668,7 +2669,7 @@
           <a:p>
             <a:fld id="{E1C639D8-6B48-3741-8F18-B6B04967A18F}" type="datetimeFigureOut">
               <a:rPr lang="en-US" smtClean="0"/>
-              <a:t>7/18/19</a:t>
+              <a:t>7/19/19</a:t>
             </a:fld>
             <a:endParaRPr lang="en-US"/>
           </a:p>
@@ -2909,7 +2910,7 @@
           <a:p>
             <a:fld id="{E1C639D8-6B48-3741-8F18-B6B04967A18F}" type="datetimeFigureOut">
               <a:rPr lang="en-US" smtClean="0"/>
-              <a:t>7/18/19</a:t>
+              <a:t>7/19/19</a:t>
             </a:fld>
             <a:endParaRPr lang="en-US"/>
           </a:p>
@@ -3328,10 +3329,10 @@
       </p:grpSpPr>
       <p:grpSp>
         <p:nvGrpSpPr>
-          <p:cNvPr id="32" name="Group 31">
-            <a:extLst>
-              <a:ext uri="{FF2B5EF4-FFF2-40B4-BE49-F238E27FC236}">
-                <a16:creationId xmlns:a16="http://schemas.microsoft.com/office/drawing/2014/main" id="{E296A051-23B6-E340-A231-9C837ECE6925}"/>
+          <p:cNvPr id="3" name="Group 2">
+            <a:extLst>
+              <a:ext uri="{FF2B5EF4-FFF2-40B4-BE49-F238E27FC236}">
+                <a16:creationId xmlns:a16="http://schemas.microsoft.com/office/drawing/2014/main" id="{D54450D6-EDB5-9F4F-90B0-BDEC3112AE14}"/>
               </a:ext>
             </a:extLst>
           </p:cNvPr>
@@ -3340,10 +3341,10 @@
         </p:nvGrpSpPr>
         <p:grpSpPr>
           <a:xfrm>
-            <a:off x="3087874" y="260676"/>
-            <a:ext cx="6129278" cy="6387675"/>
-            <a:chOff x="4221730" y="1163634"/>
-            <a:chExt cx="3851262" cy="4013623"/>
+            <a:off x="2895253" y="215152"/>
+            <a:ext cx="6552308" cy="6552308"/>
+            <a:chOff x="2895253" y="201705"/>
+            <a:chExt cx="6552308" cy="6552308"/>
           </a:xfrm>
         </p:grpSpPr>
         <p:sp>
@@ -3360,13 +3361,13 @@
           </p:nvSpPr>
           <p:spPr>
             <a:xfrm rot="3239827">
-              <a:off x="5325920" y="1163634"/>
-              <a:ext cx="986317" cy="986317"/>
+              <a:off x="4845191" y="260676"/>
+              <a:ext cx="1569722" cy="1569722"/>
             </a:xfrm>
             <a:prstGeom prst="ellipse">
               <a:avLst/>
             </a:prstGeom>
-            <a:ln>
+            <a:ln w="76200">
               <a:solidFill>
                 <a:schemeClr val="accent2">
                   <a:lumMod val="75000"/>
@@ -3413,13 +3414,13 @@
           </p:nvSpPr>
           <p:spPr>
             <a:xfrm rot="3239827">
-              <a:off x="7086675" y="3607339"/>
-              <a:ext cx="986317" cy="986317"/>
+              <a:off x="7647430" y="4149829"/>
+              <a:ext cx="1569722" cy="1569722"/>
             </a:xfrm>
             <a:prstGeom prst="ellipse">
               <a:avLst/>
             </a:prstGeom>
-            <a:ln>
+            <a:ln w="76200">
               <a:solidFill>
                 <a:schemeClr val="accent2">
                   <a:lumMod val="75000"/>
@@ -3466,13 +3467,13 @@
           </p:nvSpPr>
           <p:spPr>
             <a:xfrm rot="3239827">
-              <a:off x="4221730" y="2759468"/>
-              <a:ext cx="986317" cy="986317"/>
+              <a:off x="3087874" y="2800443"/>
+              <a:ext cx="1569722" cy="1569722"/>
             </a:xfrm>
             <a:prstGeom prst="ellipse">
               <a:avLst/>
             </a:prstGeom>
-            <a:ln>
+            <a:ln w="76200">
               <a:solidFill>
                 <a:schemeClr val="accent1">
                   <a:lumMod val="75000"/>
@@ -3519,13 +3520,13 @@
           </p:nvSpPr>
           <p:spPr>
             <a:xfrm rot="3239827">
-              <a:off x="6993511" y="1780729"/>
-              <a:ext cx="986317" cy="986317"/>
+              <a:off x="7499160" y="1242782"/>
+              <a:ext cx="1569722" cy="1569722"/>
             </a:xfrm>
             <a:prstGeom prst="ellipse">
               <a:avLst/>
             </a:prstGeom>
-            <a:ln>
+            <a:ln w="76200">
               <a:solidFill>
                 <a:schemeClr val="accent1">
                   <a:lumMod val="75000"/>
@@ -3572,13 +3573,13 @@
           </p:nvSpPr>
           <p:spPr>
             <a:xfrm rot="2932637">
-              <a:off x="5354396" y="4190940"/>
-              <a:ext cx="986317" cy="986317"/>
+              <a:off x="4890510" y="5078629"/>
+              <a:ext cx="1569722" cy="1569722"/>
             </a:xfrm>
             <a:prstGeom prst="ellipse">
               <a:avLst/>
             </a:prstGeom>
-            <a:ln>
+            <a:ln w="76200">
               <a:solidFill>
                 <a:schemeClr val="accent1">
                   <a:lumMod val="75000"/>
@@ -3629,13 +3630,13 @@
           </p:nvCxnSpPr>
           <p:spPr>
             <a:xfrm flipH="1" flipV="1">
-              <a:off x="5004779" y="3651586"/>
-              <a:ext cx="518436" cy="661015"/>
+              <a:off x="4334095" y="4220248"/>
+              <a:ext cx="825090" cy="1052004"/>
             </a:xfrm>
             <a:prstGeom prst="straightConnector1">
               <a:avLst/>
             </a:prstGeom>
-            <a:ln w="38100">
+            <a:ln w="95250">
               <a:headEnd type="none" w="med" len="med"/>
               <a:tailEnd type="none" w="med" len="med"/>
             </a:ln>
@@ -3673,13 +3674,13 @@
           </p:nvCxnSpPr>
           <p:spPr>
             <a:xfrm flipV="1">
-              <a:off x="4792011" y="1946684"/>
-              <a:ext cx="628108" cy="818854"/>
+              <a:off x="3995475" y="1506899"/>
+              <a:ext cx="999633" cy="1303205"/>
             </a:xfrm>
             <a:prstGeom prst="straightConnector1">
               <a:avLst/>
             </a:prstGeom>
-            <a:ln w="38100">
+            <a:ln w="95250">
               <a:headEnd type="none" w="med" len="med"/>
               <a:tailEnd type="none" w="med" len="med"/>
             </a:ln>
@@ -3717,13 +3718,13 @@
           </p:nvCxnSpPr>
           <p:spPr>
             <a:xfrm rot="3239827" flipV="1">
-              <a:off x="6432673" y="1485621"/>
-              <a:ext cx="637601" cy="637602"/>
+              <a:off x="6606587" y="773118"/>
+              <a:ext cx="1014741" cy="1014743"/>
             </a:xfrm>
             <a:prstGeom prst="straightConnector1">
               <a:avLst/>
             </a:prstGeom>
-            <a:ln w="38100">
+            <a:ln w="95250">
               <a:headEnd type="none" w="med" len="med"/>
               <a:tailEnd type="none" w="med" len="med"/>
             </a:ln>
@@ -3761,13 +3762,13 @@
           </p:nvCxnSpPr>
           <p:spPr>
             <a:xfrm flipH="1">
-              <a:off x="6339584" y="4390389"/>
-              <a:ext cx="841290" cy="327057"/>
+              <a:off x="6458436" y="5396052"/>
+              <a:ext cx="1338912" cy="520511"/>
             </a:xfrm>
             <a:prstGeom prst="straightConnector1">
               <a:avLst/>
             </a:prstGeom>
-            <a:ln w="38100">
+            <a:ln w="95250">
               <a:headEnd type="none" w="med" len="med"/>
               <a:tailEnd type="none" w="med" len="med"/>
             </a:ln>
@@ -3805,13 +3806,13 @@
           </p:nvCxnSpPr>
           <p:spPr>
             <a:xfrm flipH="1">
-              <a:off x="6219052" y="2563779"/>
-              <a:ext cx="868659" cy="1795982"/>
+              <a:off x="6266609" y="2489005"/>
+              <a:ext cx="1382470" cy="2858303"/>
             </a:xfrm>
             <a:prstGeom prst="straightConnector1">
               <a:avLst/>
             </a:prstGeom>
-            <a:ln w="38100">
+            <a:ln w="95250">
               <a:headEnd type="none" w="med" len="med"/>
               <a:tailEnd type="none" w="med" len="med"/>
             </a:ln>
@@ -3849,13 +3850,13 @@
           </p:nvCxnSpPr>
           <p:spPr>
             <a:xfrm flipH="1" flipV="1">
-              <a:off x="5201979" y="3329750"/>
-              <a:ext cx="1890764" cy="693625"/>
+              <a:off x="4647939" y="3708046"/>
+              <a:ext cx="3009148" cy="1103903"/>
             </a:xfrm>
             <a:prstGeom prst="straightConnector1">
               <a:avLst/>
             </a:prstGeom>
-            <a:ln w="38100">
+            <a:ln w="95250">
               <a:headEnd type="none" w="med" len="med"/>
               <a:tailEnd type="none" w="med" len="med"/>
             </a:ln>
@@ -3893,13 +3894,13 @@
           </p:nvCxnSpPr>
           <p:spPr>
             <a:xfrm flipV="1">
-              <a:off x="7656955" y="2672847"/>
-              <a:ext cx="119605" cy="940560"/>
+              <a:off x="8555030" y="2662586"/>
+              <a:ext cx="190351" cy="1496900"/>
             </a:xfrm>
             <a:prstGeom prst="straightConnector1">
               <a:avLst/>
             </a:prstGeom>
-            <a:ln w="38100">
+            <a:ln w="95250">
               <a:headEnd type="none" w="med" len="med"/>
               <a:tailEnd type="none" w="med" len="med"/>
             </a:ln>
@@ -3937,13 +3938,13 @@
           </p:nvCxnSpPr>
           <p:spPr>
             <a:xfrm flipH="1" flipV="1">
-              <a:off x="6108969" y="2055750"/>
-              <a:ext cx="1180972" cy="1645787"/>
+              <a:off x="6091412" y="1680477"/>
+              <a:ext cx="1879515" cy="2619268"/>
             </a:xfrm>
             <a:prstGeom prst="straightConnector1">
               <a:avLst/>
             </a:prstGeom>
-            <a:ln w="38100">
+            <a:ln w="95250">
               <a:headEnd type="none" w="med" len="med"/>
               <a:tailEnd type="none" w="med" len="med"/>
             </a:ln>
@@ -3981,13 +3982,13 @@
           </p:nvCxnSpPr>
           <p:spPr>
             <a:xfrm flipH="1">
-              <a:off x="5113847" y="2196765"/>
-              <a:ext cx="1885732" cy="765970"/>
+              <a:off x="4507677" y="1904902"/>
+              <a:ext cx="3001140" cy="1219040"/>
             </a:xfrm>
             <a:prstGeom prst="straightConnector1">
               <a:avLst/>
             </a:prstGeom>
-            <a:ln w="38100">
+            <a:ln w="95250">
               <a:headEnd type="none" w="med" len="med"/>
               <a:tailEnd type="none" w="med" len="med"/>
             </a:ln>
@@ -4024,13 +4025,13 @@
           </p:nvCxnSpPr>
           <p:spPr>
             <a:xfrm>
-              <a:off x="5746601" y="2158970"/>
-              <a:ext cx="134301" cy="2033099"/>
+              <a:off x="5514704" y="1844752"/>
+              <a:ext cx="213740" cy="3235674"/>
             </a:xfrm>
             <a:prstGeom prst="straightConnector1">
               <a:avLst/>
             </a:prstGeom>
-            <a:ln w="38100">
+            <a:ln w="95250">
               <a:headEnd type="none" w="med" len="med"/>
               <a:tailEnd type="none" w="med" len="med"/>
             </a:ln>
@@ -4050,11 +4051,941 @@
             </a:fontRef>
           </p:style>
         </p:cxnSp>
+        <p:sp>
+          <p:nvSpPr>
+            <p:cNvPr id="2" name="Rectangle 1">
+              <a:extLst>
+                <a:ext uri="{FF2B5EF4-FFF2-40B4-BE49-F238E27FC236}">
+                  <a16:creationId xmlns:a16="http://schemas.microsoft.com/office/drawing/2014/main" id="{62A2F33C-01E9-8B41-8C81-5E9F3D26307B}"/>
+                </a:ext>
+              </a:extLst>
+            </p:cNvPr>
+            <p:cNvSpPr/>
+            <p:nvPr/>
+          </p:nvSpPr>
+          <p:spPr>
+            <a:xfrm>
+              <a:off x="2895253" y="201705"/>
+              <a:ext cx="6552308" cy="6552308"/>
+            </a:xfrm>
+            <a:prstGeom prst="rect">
+              <a:avLst/>
+            </a:prstGeom>
+            <a:noFill/>
+            <a:ln>
+              <a:noFill/>
+            </a:ln>
+          </p:spPr>
+          <p:style>
+            <a:lnRef idx="2">
+              <a:schemeClr val="accent1">
+                <a:shade val="50000"/>
+              </a:schemeClr>
+            </a:lnRef>
+            <a:fillRef idx="1">
+              <a:schemeClr val="accent1"/>
+            </a:fillRef>
+            <a:effectRef idx="0">
+              <a:schemeClr val="accent1"/>
+            </a:effectRef>
+            <a:fontRef idx="minor">
+              <a:schemeClr val="lt1"/>
+            </a:fontRef>
+          </p:style>
+          <p:txBody>
+            <a:bodyPr rtlCol="0" anchor="ctr"/>
+            <a:lstStyle/>
+            <a:p>
+              <a:pPr algn="ctr"/>
+              <a:endParaRPr lang="en-US"/>
+            </a:p>
+          </p:txBody>
+        </p:sp>
       </p:grpSp>
     </p:spTree>
     <p:extLst>
       <p:ext uri="{BB962C8B-B14F-4D97-AF65-F5344CB8AC3E}">
         <p14:creationId xmlns:p14="http://schemas.microsoft.com/office/powerpoint/2010/main" val="4184178460"/>
+      </p:ext>
+    </p:extLst>
+  </p:cSld>
+  <p:clrMapOvr>
+    <a:masterClrMapping/>
+  </p:clrMapOvr>
+</p:sld>
+</file>
+
+<file path=ppt/slides/slide2.xml><?xml version="1.0" encoding="utf-8"?>
+<p:sld xmlns:a="http://schemas.openxmlformats.org/drawingml/2006/main" xmlns:r="http://schemas.openxmlformats.org/officeDocument/2006/relationships" xmlns:p="http://schemas.openxmlformats.org/presentationml/2006/main">
+  <p:cSld>
+    <p:spTree>
+      <p:nvGrpSpPr>
+        <p:cNvPr id="1" name=""/>
+        <p:cNvGrpSpPr/>
+        <p:nvPr/>
+      </p:nvGrpSpPr>
+      <p:grpSpPr>
+        <a:xfrm>
+          <a:off x="0" y="0"/>
+          <a:ext cx="0" cy="0"/>
+          <a:chOff x="0" y="0"/>
+          <a:chExt cx="0" cy="0"/>
+        </a:xfrm>
+      </p:grpSpPr>
+      <p:grpSp>
+        <p:nvGrpSpPr>
+          <p:cNvPr id="4" name="Group 3">
+            <a:extLst>
+              <a:ext uri="{FF2B5EF4-FFF2-40B4-BE49-F238E27FC236}">
+                <a16:creationId xmlns:a16="http://schemas.microsoft.com/office/drawing/2014/main" id="{7F8F54B6-25EA-8F47-9A47-801CE321AD39}"/>
+              </a:ext>
+            </a:extLst>
+          </p:cNvPr>
+          <p:cNvGrpSpPr/>
+          <p:nvPr/>
+        </p:nvGrpSpPr>
+        <p:grpSpPr>
+          <a:xfrm>
+            <a:off x="2895253" y="215152"/>
+            <a:ext cx="6552308" cy="6552308"/>
+            <a:chOff x="2895253" y="215152"/>
+            <a:chExt cx="6552308" cy="6552308"/>
+          </a:xfrm>
+        </p:grpSpPr>
+        <p:sp>
+          <p:nvSpPr>
+            <p:cNvPr id="9" name="Oval 8">
+              <a:extLst>
+                <a:ext uri="{FF2B5EF4-FFF2-40B4-BE49-F238E27FC236}">
+                  <a16:creationId xmlns:a16="http://schemas.microsoft.com/office/drawing/2014/main" id="{806803DB-B583-9F47-AEC0-30758DC51106}"/>
+                </a:ext>
+              </a:extLst>
+            </p:cNvPr>
+            <p:cNvSpPr/>
+            <p:nvPr/>
+          </p:nvSpPr>
+          <p:spPr>
+            <a:xfrm rot="3239827">
+              <a:off x="4845191" y="274123"/>
+              <a:ext cx="1569722" cy="1569722"/>
+            </a:xfrm>
+            <a:prstGeom prst="ellipse">
+              <a:avLst/>
+            </a:prstGeom>
+            <a:solidFill>
+              <a:schemeClr val="bg1">
+                <a:lumMod val="65000"/>
+              </a:schemeClr>
+            </a:solidFill>
+            <a:ln w="76200">
+              <a:solidFill>
+                <a:schemeClr val="bg1">
+                  <a:lumMod val="65000"/>
+                </a:schemeClr>
+              </a:solidFill>
+            </a:ln>
+          </p:spPr>
+          <p:style>
+            <a:lnRef idx="2">
+              <a:schemeClr val="accent2">
+                <a:shade val="50000"/>
+              </a:schemeClr>
+            </a:lnRef>
+            <a:fillRef idx="1">
+              <a:schemeClr val="accent2"/>
+            </a:fillRef>
+            <a:effectRef idx="0">
+              <a:schemeClr val="accent2"/>
+            </a:effectRef>
+            <a:fontRef idx="minor">
+              <a:schemeClr val="lt1"/>
+            </a:fontRef>
+          </p:style>
+          <p:txBody>
+            <a:bodyPr rtlCol="0" anchor="ctr"/>
+            <a:lstStyle/>
+            <a:p>
+              <a:pPr algn="ctr"/>
+              <a:endParaRPr lang="en-US"/>
+            </a:p>
+          </p:txBody>
+        </p:sp>
+        <p:sp>
+          <p:nvSpPr>
+            <p:cNvPr id="10" name="Oval 9">
+              <a:extLst>
+                <a:ext uri="{FF2B5EF4-FFF2-40B4-BE49-F238E27FC236}">
+                  <a16:creationId xmlns:a16="http://schemas.microsoft.com/office/drawing/2014/main" id="{ED19E74D-511A-E24C-B619-7C3A243D65DE}"/>
+                </a:ext>
+              </a:extLst>
+            </p:cNvPr>
+            <p:cNvSpPr/>
+            <p:nvPr/>
+          </p:nvSpPr>
+          <p:spPr>
+            <a:xfrm rot="3239827">
+              <a:off x="7647430" y="4163276"/>
+              <a:ext cx="1569722" cy="1569722"/>
+            </a:xfrm>
+            <a:prstGeom prst="ellipse">
+              <a:avLst/>
+            </a:prstGeom>
+            <a:solidFill>
+              <a:schemeClr val="bg1">
+                <a:lumMod val="65000"/>
+              </a:schemeClr>
+            </a:solidFill>
+            <a:ln w="76200">
+              <a:solidFill>
+                <a:schemeClr val="bg1">
+                  <a:lumMod val="65000"/>
+                </a:schemeClr>
+              </a:solidFill>
+            </a:ln>
+          </p:spPr>
+          <p:style>
+            <a:lnRef idx="2">
+              <a:schemeClr val="accent2">
+                <a:shade val="50000"/>
+              </a:schemeClr>
+            </a:lnRef>
+            <a:fillRef idx="1">
+              <a:schemeClr val="accent2"/>
+            </a:fillRef>
+            <a:effectRef idx="0">
+              <a:schemeClr val="accent2"/>
+            </a:effectRef>
+            <a:fontRef idx="minor">
+              <a:schemeClr val="lt1"/>
+            </a:fontRef>
+          </p:style>
+          <p:txBody>
+            <a:bodyPr rtlCol="0" anchor="ctr"/>
+            <a:lstStyle/>
+            <a:p>
+              <a:pPr algn="ctr"/>
+              <a:endParaRPr lang="en-US"/>
+            </a:p>
+          </p:txBody>
+        </p:sp>
+        <p:sp>
+          <p:nvSpPr>
+            <p:cNvPr id="11" name="Oval 10">
+              <a:extLst>
+                <a:ext uri="{FF2B5EF4-FFF2-40B4-BE49-F238E27FC236}">
+                  <a16:creationId xmlns:a16="http://schemas.microsoft.com/office/drawing/2014/main" id="{DDF90C7B-B176-AA44-81C9-063D08C0A860}"/>
+                </a:ext>
+              </a:extLst>
+            </p:cNvPr>
+            <p:cNvSpPr/>
+            <p:nvPr/>
+          </p:nvSpPr>
+          <p:spPr>
+            <a:xfrm rot="3239827">
+              <a:off x="3087874" y="2813890"/>
+              <a:ext cx="1569722" cy="1569722"/>
+            </a:xfrm>
+            <a:prstGeom prst="ellipse">
+              <a:avLst/>
+            </a:prstGeom>
+            <a:solidFill>
+              <a:schemeClr val="bg1">
+                <a:lumMod val="65000"/>
+              </a:schemeClr>
+            </a:solidFill>
+            <a:ln w="76200">
+              <a:solidFill>
+                <a:schemeClr val="bg1">
+                  <a:lumMod val="65000"/>
+                </a:schemeClr>
+              </a:solidFill>
+            </a:ln>
+          </p:spPr>
+          <p:style>
+            <a:lnRef idx="2">
+              <a:schemeClr val="accent1">
+                <a:shade val="50000"/>
+              </a:schemeClr>
+            </a:lnRef>
+            <a:fillRef idx="1">
+              <a:schemeClr val="accent1"/>
+            </a:fillRef>
+            <a:effectRef idx="0">
+              <a:schemeClr val="accent1"/>
+            </a:effectRef>
+            <a:fontRef idx="minor">
+              <a:schemeClr val="lt1"/>
+            </a:fontRef>
+          </p:style>
+          <p:txBody>
+            <a:bodyPr rtlCol="0" anchor="ctr"/>
+            <a:lstStyle/>
+            <a:p>
+              <a:pPr algn="ctr"/>
+              <a:endParaRPr lang="en-US"/>
+            </a:p>
+          </p:txBody>
+        </p:sp>
+        <p:sp>
+          <p:nvSpPr>
+            <p:cNvPr id="12" name="Oval 11">
+              <a:extLst>
+                <a:ext uri="{FF2B5EF4-FFF2-40B4-BE49-F238E27FC236}">
+                  <a16:creationId xmlns:a16="http://schemas.microsoft.com/office/drawing/2014/main" id="{B43D85DE-1C73-BE4E-892B-6984876C2123}"/>
+                </a:ext>
+              </a:extLst>
+            </p:cNvPr>
+            <p:cNvSpPr/>
+            <p:nvPr/>
+          </p:nvSpPr>
+          <p:spPr>
+            <a:xfrm rot="3239827">
+              <a:off x="7499160" y="1256229"/>
+              <a:ext cx="1569722" cy="1569722"/>
+            </a:xfrm>
+            <a:prstGeom prst="ellipse">
+              <a:avLst/>
+            </a:prstGeom>
+            <a:solidFill>
+              <a:schemeClr val="bg1">
+                <a:lumMod val="65000"/>
+              </a:schemeClr>
+            </a:solidFill>
+            <a:ln w="76200">
+              <a:solidFill>
+                <a:schemeClr val="bg1">
+                  <a:lumMod val="65000"/>
+                </a:schemeClr>
+              </a:solidFill>
+            </a:ln>
+          </p:spPr>
+          <p:style>
+            <a:lnRef idx="2">
+              <a:schemeClr val="accent1">
+                <a:shade val="50000"/>
+              </a:schemeClr>
+            </a:lnRef>
+            <a:fillRef idx="1">
+              <a:schemeClr val="accent1"/>
+            </a:fillRef>
+            <a:effectRef idx="0">
+              <a:schemeClr val="accent1"/>
+            </a:effectRef>
+            <a:fontRef idx="minor">
+              <a:schemeClr val="lt1"/>
+            </a:fontRef>
+          </p:style>
+          <p:txBody>
+            <a:bodyPr rtlCol="0" anchor="ctr"/>
+            <a:lstStyle/>
+            <a:p>
+              <a:pPr algn="ctr"/>
+              <a:endParaRPr lang="en-US"/>
+            </a:p>
+          </p:txBody>
+        </p:sp>
+        <p:sp>
+          <p:nvSpPr>
+            <p:cNvPr id="13" name="Oval 12">
+              <a:extLst>
+                <a:ext uri="{FF2B5EF4-FFF2-40B4-BE49-F238E27FC236}">
+                  <a16:creationId xmlns:a16="http://schemas.microsoft.com/office/drawing/2014/main" id="{7EA2867D-0B8B-6D41-96AB-1EEEC3684904}"/>
+                </a:ext>
+              </a:extLst>
+            </p:cNvPr>
+            <p:cNvSpPr/>
+            <p:nvPr/>
+          </p:nvSpPr>
+          <p:spPr>
+            <a:xfrm rot="2932637">
+              <a:off x="4890510" y="5092076"/>
+              <a:ext cx="1569722" cy="1569722"/>
+            </a:xfrm>
+            <a:prstGeom prst="ellipse">
+              <a:avLst/>
+            </a:prstGeom>
+            <a:solidFill>
+              <a:schemeClr val="bg1">
+                <a:lumMod val="65000"/>
+              </a:schemeClr>
+            </a:solidFill>
+            <a:ln w="76200">
+              <a:solidFill>
+                <a:schemeClr val="bg1">
+                  <a:lumMod val="65000"/>
+                </a:schemeClr>
+              </a:solidFill>
+            </a:ln>
+          </p:spPr>
+          <p:style>
+            <a:lnRef idx="2">
+              <a:schemeClr val="accent1">
+                <a:shade val="50000"/>
+              </a:schemeClr>
+            </a:lnRef>
+            <a:fillRef idx="1">
+              <a:schemeClr val="accent1"/>
+            </a:fillRef>
+            <a:effectRef idx="0">
+              <a:schemeClr val="accent1"/>
+            </a:effectRef>
+            <a:fontRef idx="minor">
+              <a:schemeClr val="lt1"/>
+            </a:fontRef>
+          </p:style>
+          <p:txBody>
+            <a:bodyPr rtlCol="0" anchor="ctr"/>
+            <a:lstStyle/>
+            <a:p>
+              <a:pPr algn="ctr"/>
+              <a:endParaRPr lang="en-US"/>
+            </a:p>
+          </p:txBody>
+        </p:sp>
+        <p:cxnSp>
+          <p:nvCxnSpPr>
+            <p:cNvPr id="14" name="Straight Arrow Connector 13">
+              <a:extLst>
+                <a:ext uri="{FF2B5EF4-FFF2-40B4-BE49-F238E27FC236}">
+                  <a16:creationId xmlns:a16="http://schemas.microsoft.com/office/drawing/2014/main" id="{BCEEDDD4-6515-4A46-837A-6264EF444D90}"/>
+                </a:ext>
+              </a:extLst>
+            </p:cNvPr>
+            <p:cNvCxnSpPr>
+              <a:cxnSpLocks/>
+              <a:stCxn id="13" idx="2"/>
+              <a:endCxn id="11" idx="6"/>
+            </p:cNvCxnSpPr>
+            <p:nvPr/>
+          </p:nvCxnSpPr>
+          <p:spPr>
+            <a:xfrm flipH="1" flipV="1">
+              <a:off x="4334095" y="4233695"/>
+              <a:ext cx="825090" cy="1052004"/>
+            </a:xfrm>
+            <a:prstGeom prst="straightConnector1">
+              <a:avLst/>
+            </a:prstGeom>
+            <a:ln w="95250">
+              <a:solidFill>
+                <a:schemeClr val="bg1">
+                  <a:lumMod val="65000"/>
+                </a:schemeClr>
+              </a:solidFill>
+              <a:headEnd type="none" w="med" len="med"/>
+              <a:tailEnd type="none" w="med" len="med"/>
+            </a:ln>
+          </p:spPr>
+          <p:style>
+            <a:lnRef idx="1">
+              <a:schemeClr val="accent1"/>
+            </a:lnRef>
+            <a:fillRef idx="0">
+              <a:schemeClr val="accent1"/>
+            </a:fillRef>
+            <a:effectRef idx="0">
+              <a:schemeClr val="accent1"/>
+            </a:effectRef>
+            <a:fontRef idx="minor">
+              <a:schemeClr val="tx1"/>
+            </a:fontRef>
+          </p:style>
+        </p:cxnSp>
+        <p:cxnSp>
+          <p:nvCxnSpPr>
+            <p:cNvPr id="15" name="Straight Arrow Connector 14">
+              <a:extLst>
+                <a:ext uri="{FF2B5EF4-FFF2-40B4-BE49-F238E27FC236}">
+                  <a16:creationId xmlns:a16="http://schemas.microsoft.com/office/drawing/2014/main" id="{F26E3D10-F460-2A4A-8C91-AA2CE189A0C0}"/>
+                </a:ext>
+              </a:extLst>
+            </p:cNvPr>
+            <p:cNvCxnSpPr>
+              <a:cxnSpLocks/>
+              <a:stCxn id="11" idx="1"/>
+              <a:endCxn id="9" idx="4"/>
+            </p:cNvCxnSpPr>
+            <p:nvPr/>
+          </p:nvCxnSpPr>
+          <p:spPr>
+            <a:xfrm flipV="1">
+              <a:off x="3995475" y="1520346"/>
+              <a:ext cx="999633" cy="1303205"/>
+            </a:xfrm>
+            <a:prstGeom prst="straightConnector1">
+              <a:avLst/>
+            </a:prstGeom>
+            <a:ln w="95250">
+              <a:solidFill>
+                <a:schemeClr val="bg1">
+                  <a:lumMod val="65000"/>
+                </a:schemeClr>
+              </a:solidFill>
+              <a:headEnd type="none" w="med" len="med"/>
+              <a:tailEnd type="none" w="med" len="med"/>
+            </a:ln>
+          </p:spPr>
+          <p:style>
+            <a:lnRef idx="1">
+              <a:schemeClr val="accent1"/>
+            </a:lnRef>
+            <a:fillRef idx="0">
+              <a:schemeClr val="accent1"/>
+            </a:fillRef>
+            <a:effectRef idx="0">
+              <a:schemeClr val="accent1"/>
+            </a:effectRef>
+            <a:fontRef idx="minor">
+              <a:schemeClr val="tx1"/>
+            </a:fontRef>
+          </p:style>
+        </p:cxnSp>
+        <p:cxnSp>
+          <p:nvCxnSpPr>
+            <p:cNvPr id="16" name="Straight Arrow Connector 15">
+              <a:extLst>
+                <a:ext uri="{FF2B5EF4-FFF2-40B4-BE49-F238E27FC236}">
+                  <a16:creationId xmlns:a16="http://schemas.microsoft.com/office/drawing/2014/main" id="{44373DFE-B782-764B-870C-6FD65A77568A}"/>
+                </a:ext>
+              </a:extLst>
+            </p:cNvPr>
+            <p:cNvCxnSpPr>
+              <a:cxnSpLocks/>
+              <a:stCxn id="9" idx="7"/>
+              <a:endCxn id="12" idx="2"/>
+            </p:cNvCxnSpPr>
+            <p:nvPr/>
+          </p:nvCxnSpPr>
+          <p:spPr>
+            <a:xfrm rot="3239827" flipV="1">
+              <a:off x="6606587" y="786565"/>
+              <a:ext cx="1014741" cy="1014743"/>
+            </a:xfrm>
+            <a:prstGeom prst="straightConnector1">
+              <a:avLst/>
+            </a:prstGeom>
+            <a:ln w="95250">
+              <a:solidFill>
+                <a:schemeClr val="bg1">
+                  <a:lumMod val="65000"/>
+                </a:schemeClr>
+              </a:solidFill>
+              <a:headEnd type="none" w="med" len="med"/>
+              <a:tailEnd type="none" w="med" len="med"/>
+            </a:ln>
+          </p:spPr>
+          <p:style>
+            <a:lnRef idx="1">
+              <a:schemeClr val="accent1"/>
+            </a:lnRef>
+            <a:fillRef idx="0">
+              <a:schemeClr val="accent1"/>
+            </a:fillRef>
+            <a:effectRef idx="0">
+              <a:schemeClr val="accent1"/>
+            </a:effectRef>
+            <a:fontRef idx="minor">
+              <a:schemeClr val="tx1"/>
+            </a:fontRef>
+          </p:style>
+        </p:cxnSp>
+        <p:cxnSp>
+          <p:nvCxnSpPr>
+            <p:cNvPr id="17" name="Straight Arrow Connector 16">
+              <a:extLst>
+                <a:ext uri="{FF2B5EF4-FFF2-40B4-BE49-F238E27FC236}">
+                  <a16:creationId xmlns:a16="http://schemas.microsoft.com/office/drawing/2014/main" id="{696B17EF-8D53-AF4D-97AB-556233000B89}"/>
+                </a:ext>
+              </a:extLst>
+            </p:cNvPr>
+            <p:cNvCxnSpPr>
+              <a:cxnSpLocks/>
+              <a:stCxn id="10" idx="4"/>
+              <a:endCxn id="13" idx="7"/>
+            </p:cNvCxnSpPr>
+            <p:nvPr/>
+          </p:nvCxnSpPr>
+          <p:spPr>
+            <a:xfrm flipH="1">
+              <a:off x="6458436" y="5409499"/>
+              <a:ext cx="1338912" cy="520511"/>
+            </a:xfrm>
+            <a:prstGeom prst="straightConnector1">
+              <a:avLst/>
+            </a:prstGeom>
+            <a:ln w="95250">
+              <a:solidFill>
+                <a:schemeClr val="bg1">
+                  <a:lumMod val="65000"/>
+                </a:schemeClr>
+              </a:solidFill>
+              <a:headEnd type="none" w="med" len="med"/>
+              <a:tailEnd type="none" w="med" len="med"/>
+            </a:ln>
+          </p:spPr>
+          <p:style>
+            <a:lnRef idx="1">
+              <a:schemeClr val="accent1"/>
+            </a:lnRef>
+            <a:fillRef idx="0">
+              <a:schemeClr val="accent1"/>
+            </a:fillRef>
+            <a:effectRef idx="0">
+              <a:schemeClr val="accent1"/>
+            </a:effectRef>
+            <a:fontRef idx="minor">
+              <a:schemeClr val="tx1"/>
+            </a:fontRef>
+          </p:style>
+        </p:cxnSp>
+        <p:cxnSp>
+          <p:nvCxnSpPr>
+            <p:cNvPr id="18" name="Straight Arrow Connector 17">
+              <a:extLst>
+                <a:ext uri="{FF2B5EF4-FFF2-40B4-BE49-F238E27FC236}">
+                  <a16:creationId xmlns:a16="http://schemas.microsoft.com/office/drawing/2014/main" id="{74186ECC-FE5E-6448-A0DE-3ED25AB6C7E7}"/>
+                </a:ext>
+              </a:extLst>
+            </p:cNvPr>
+            <p:cNvCxnSpPr>
+              <a:cxnSpLocks/>
+              <a:stCxn id="12" idx="4"/>
+              <a:endCxn id="13" idx="0"/>
+            </p:cNvCxnSpPr>
+            <p:nvPr/>
+          </p:nvCxnSpPr>
+          <p:spPr>
+            <a:xfrm flipH="1">
+              <a:off x="6266609" y="2502452"/>
+              <a:ext cx="1382470" cy="2858303"/>
+            </a:xfrm>
+            <a:prstGeom prst="straightConnector1">
+              <a:avLst/>
+            </a:prstGeom>
+            <a:ln w="95250">
+              <a:solidFill>
+                <a:schemeClr val="bg1">
+                  <a:lumMod val="65000"/>
+                </a:schemeClr>
+              </a:solidFill>
+              <a:headEnd type="none" w="med" len="med"/>
+              <a:tailEnd type="none" w="med" len="med"/>
+            </a:ln>
+          </p:spPr>
+          <p:style>
+            <a:lnRef idx="1">
+              <a:schemeClr val="accent1"/>
+            </a:lnRef>
+            <a:fillRef idx="0">
+              <a:schemeClr val="accent1"/>
+            </a:fillRef>
+            <a:effectRef idx="0">
+              <a:schemeClr val="accent1"/>
+            </a:effectRef>
+            <a:fontRef idx="minor">
+              <a:schemeClr val="tx1"/>
+            </a:fontRef>
+          </p:style>
+        </p:cxnSp>
+        <p:cxnSp>
+          <p:nvCxnSpPr>
+            <p:cNvPr id="19" name="Straight Arrow Connector 18">
+              <a:extLst>
+                <a:ext uri="{FF2B5EF4-FFF2-40B4-BE49-F238E27FC236}">
+                  <a16:creationId xmlns:a16="http://schemas.microsoft.com/office/drawing/2014/main" id="{747197EC-B048-F740-B3B1-5C9E3D575D6E}"/>
+                </a:ext>
+              </a:extLst>
+            </p:cNvPr>
+            <p:cNvCxnSpPr>
+              <a:cxnSpLocks/>
+              <a:stCxn id="10" idx="3"/>
+              <a:endCxn id="11" idx="7"/>
+            </p:cNvCxnSpPr>
+            <p:nvPr/>
+          </p:nvCxnSpPr>
+          <p:spPr>
+            <a:xfrm flipH="1" flipV="1">
+              <a:off x="4647939" y="3721493"/>
+              <a:ext cx="3009148" cy="1103903"/>
+            </a:xfrm>
+            <a:prstGeom prst="straightConnector1">
+              <a:avLst/>
+            </a:prstGeom>
+            <a:ln w="95250">
+              <a:solidFill>
+                <a:schemeClr val="bg1">
+                  <a:lumMod val="65000"/>
+                </a:schemeClr>
+              </a:solidFill>
+              <a:headEnd type="none" w="med" len="med"/>
+              <a:tailEnd type="none" w="med" len="med"/>
+            </a:ln>
+          </p:spPr>
+          <p:style>
+            <a:lnRef idx="1">
+              <a:schemeClr val="accent1"/>
+            </a:lnRef>
+            <a:fillRef idx="0">
+              <a:schemeClr val="accent1"/>
+            </a:fillRef>
+            <a:effectRef idx="0">
+              <a:schemeClr val="accent1"/>
+            </a:effectRef>
+            <a:fontRef idx="minor">
+              <a:schemeClr val="tx1"/>
+            </a:fontRef>
+          </p:style>
+        </p:cxnSp>
+        <p:cxnSp>
+          <p:nvCxnSpPr>
+            <p:cNvPr id="20" name="Straight Arrow Connector 19">
+              <a:extLst>
+                <a:ext uri="{FF2B5EF4-FFF2-40B4-BE49-F238E27FC236}">
+                  <a16:creationId xmlns:a16="http://schemas.microsoft.com/office/drawing/2014/main" id="{81623BA0-9ABD-0F44-AF47-7AA9A3CDA57D}"/>
+                </a:ext>
+              </a:extLst>
+            </p:cNvPr>
+            <p:cNvCxnSpPr>
+              <a:cxnSpLocks/>
+              <a:stCxn id="10" idx="1"/>
+              <a:endCxn id="12" idx="6"/>
+            </p:cNvCxnSpPr>
+            <p:nvPr/>
+          </p:nvCxnSpPr>
+          <p:spPr>
+            <a:xfrm flipV="1">
+              <a:off x="8555030" y="2676033"/>
+              <a:ext cx="190351" cy="1496900"/>
+            </a:xfrm>
+            <a:prstGeom prst="straightConnector1">
+              <a:avLst/>
+            </a:prstGeom>
+            <a:ln w="95250">
+              <a:solidFill>
+                <a:schemeClr val="bg1">
+                  <a:lumMod val="65000"/>
+                </a:schemeClr>
+              </a:solidFill>
+              <a:headEnd type="none" w="med" len="med"/>
+              <a:tailEnd type="none" w="med" len="med"/>
+            </a:ln>
+          </p:spPr>
+          <p:style>
+            <a:lnRef idx="1">
+              <a:schemeClr val="accent1"/>
+            </a:lnRef>
+            <a:fillRef idx="0">
+              <a:schemeClr val="accent1"/>
+            </a:fillRef>
+            <a:effectRef idx="0">
+              <a:schemeClr val="accent1"/>
+            </a:effectRef>
+            <a:fontRef idx="minor">
+              <a:schemeClr val="tx1"/>
+            </a:fontRef>
+          </p:style>
+        </p:cxnSp>
+        <p:cxnSp>
+          <p:nvCxnSpPr>
+            <p:cNvPr id="21" name="Straight Arrow Connector 20">
+              <a:extLst>
+                <a:ext uri="{FF2B5EF4-FFF2-40B4-BE49-F238E27FC236}">
+                  <a16:creationId xmlns:a16="http://schemas.microsoft.com/office/drawing/2014/main" id="{F456D179-94D3-884D-88A4-FD6E52F9E17F}"/>
+                </a:ext>
+              </a:extLst>
+            </p:cNvPr>
+            <p:cNvCxnSpPr>
+              <a:cxnSpLocks/>
+              <a:stCxn id="10" idx="2"/>
+              <a:endCxn id="9" idx="6"/>
+            </p:cNvCxnSpPr>
+            <p:nvPr/>
+          </p:nvCxnSpPr>
+          <p:spPr>
+            <a:xfrm flipH="1" flipV="1">
+              <a:off x="6091412" y="1693924"/>
+              <a:ext cx="1879515" cy="2619268"/>
+            </a:xfrm>
+            <a:prstGeom prst="straightConnector1">
+              <a:avLst/>
+            </a:prstGeom>
+            <a:ln w="95250">
+              <a:solidFill>
+                <a:schemeClr val="bg1">
+                  <a:lumMod val="65000"/>
+                </a:schemeClr>
+              </a:solidFill>
+              <a:headEnd type="none" w="med" len="med"/>
+              <a:tailEnd type="none" w="med" len="med"/>
+            </a:ln>
+          </p:spPr>
+          <p:style>
+            <a:lnRef idx="1">
+              <a:schemeClr val="accent1"/>
+            </a:lnRef>
+            <a:fillRef idx="0">
+              <a:schemeClr val="accent1"/>
+            </a:fillRef>
+            <a:effectRef idx="0">
+              <a:schemeClr val="accent1"/>
+            </a:effectRef>
+            <a:fontRef idx="minor">
+              <a:schemeClr val="tx1"/>
+            </a:fontRef>
+          </p:style>
+        </p:cxnSp>
+        <p:cxnSp>
+          <p:nvCxnSpPr>
+            <p:cNvPr id="22" name="Straight Arrow Connector 21">
+              <a:extLst>
+                <a:ext uri="{FF2B5EF4-FFF2-40B4-BE49-F238E27FC236}">
+                  <a16:creationId xmlns:a16="http://schemas.microsoft.com/office/drawing/2014/main" id="{71D25757-2A49-EB43-8536-358077DA05A6}"/>
+                </a:ext>
+              </a:extLst>
+            </p:cNvPr>
+            <p:cNvCxnSpPr>
+              <a:cxnSpLocks/>
+              <a:stCxn id="12" idx="3"/>
+              <a:endCxn id="11" idx="0"/>
+            </p:cNvCxnSpPr>
+            <p:nvPr/>
+          </p:nvCxnSpPr>
+          <p:spPr>
+            <a:xfrm flipH="1">
+              <a:off x="4507677" y="1918349"/>
+              <a:ext cx="3001140" cy="1219040"/>
+            </a:xfrm>
+            <a:prstGeom prst="straightConnector1">
+              <a:avLst/>
+            </a:prstGeom>
+            <a:ln w="95250">
+              <a:solidFill>
+                <a:schemeClr val="bg1">
+                  <a:lumMod val="65000"/>
+                </a:schemeClr>
+              </a:solidFill>
+              <a:headEnd type="none" w="med" len="med"/>
+              <a:tailEnd type="none" w="med" len="med"/>
+            </a:ln>
+          </p:spPr>
+          <p:style>
+            <a:lnRef idx="1">
+              <a:schemeClr val="accent1"/>
+            </a:lnRef>
+            <a:fillRef idx="0">
+              <a:schemeClr val="accent1"/>
+            </a:fillRef>
+            <a:effectRef idx="0">
+              <a:schemeClr val="accent1"/>
+            </a:effectRef>
+            <a:fontRef idx="minor">
+              <a:schemeClr val="tx1"/>
+            </a:fontRef>
+          </p:style>
+        </p:cxnSp>
+        <p:cxnSp>
+          <p:nvCxnSpPr>
+            <p:cNvPr id="31" name="Straight Arrow Connector 30">
+              <a:extLst>
+                <a:ext uri="{FF2B5EF4-FFF2-40B4-BE49-F238E27FC236}">
+                  <a16:creationId xmlns:a16="http://schemas.microsoft.com/office/drawing/2014/main" id="{04B6795A-501A-334D-8474-B6876DA83644}"/>
+                </a:ext>
+              </a:extLst>
+            </p:cNvPr>
+            <p:cNvCxnSpPr>
+              <a:cxnSpLocks/>
+              <a:endCxn id="13" idx="1"/>
+            </p:cNvCxnSpPr>
+            <p:nvPr/>
+          </p:nvCxnSpPr>
+          <p:spPr>
+            <a:xfrm>
+              <a:off x="5514704" y="1858199"/>
+              <a:ext cx="213740" cy="3235674"/>
+            </a:xfrm>
+            <a:prstGeom prst="straightConnector1">
+              <a:avLst/>
+            </a:prstGeom>
+            <a:ln w="95250">
+              <a:solidFill>
+                <a:schemeClr val="bg1">
+                  <a:lumMod val="65000"/>
+                </a:schemeClr>
+              </a:solidFill>
+              <a:headEnd type="none" w="med" len="med"/>
+              <a:tailEnd type="none" w="med" len="med"/>
+            </a:ln>
+          </p:spPr>
+          <p:style>
+            <a:lnRef idx="1">
+              <a:schemeClr val="accent1"/>
+            </a:lnRef>
+            <a:fillRef idx="0">
+              <a:schemeClr val="accent1"/>
+            </a:fillRef>
+            <a:effectRef idx="0">
+              <a:schemeClr val="accent1"/>
+            </a:effectRef>
+            <a:fontRef idx="minor">
+              <a:schemeClr val="tx1"/>
+            </a:fontRef>
+          </p:style>
+        </p:cxnSp>
+        <p:sp>
+          <p:nvSpPr>
+            <p:cNvPr id="2" name="Rectangle 1">
+              <a:extLst>
+                <a:ext uri="{FF2B5EF4-FFF2-40B4-BE49-F238E27FC236}">
+                  <a16:creationId xmlns:a16="http://schemas.microsoft.com/office/drawing/2014/main" id="{62A2F33C-01E9-8B41-8C81-5E9F3D26307B}"/>
+                </a:ext>
+              </a:extLst>
+            </p:cNvPr>
+            <p:cNvSpPr/>
+            <p:nvPr/>
+          </p:nvSpPr>
+          <p:spPr>
+            <a:xfrm>
+              <a:off x="2895253" y="215152"/>
+              <a:ext cx="6552308" cy="6552308"/>
+            </a:xfrm>
+            <a:prstGeom prst="rect">
+              <a:avLst/>
+            </a:prstGeom>
+            <a:noFill/>
+            <a:ln>
+              <a:noFill/>
+            </a:ln>
+          </p:spPr>
+          <p:style>
+            <a:lnRef idx="2">
+              <a:schemeClr val="accent1">
+                <a:shade val="50000"/>
+              </a:schemeClr>
+            </a:lnRef>
+            <a:fillRef idx="1">
+              <a:schemeClr val="accent1"/>
+            </a:fillRef>
+            <a:effectRef idx="0">
+              <a:schemeClr val="accent1"/>
+            </a:effectRef>
+            <a:fontRef idx="minor">
+              <a:schemeClr val="lt1"/>
+            </a:fontRef>
+          </p:style>
+          <p:txBody>
+            <a:bodyPr rtlCol="0" anchor="ctr"/>
+            <a:lstStyle/>
+            <a:p>
+              <a:pPr algn="ctr"/>
+              <a:endParaRPr lang="en-US"/>
+            </a:p>
+          </p:txBody>
+        </p:sp>
+      </p:grpSp>
+    </p:spTree>
+    <p:extLst>
+      <p:ext uri="{BB962C8B-B14F-4D97-AF65-F5344CB8AC3E}">
+        <p14:creationId xmlns:p14="http://schemas.microsoft.com/office/powerpoint/2010/main" val="241774471"/>
       </p:ext>
     </p:extLst>
   </p:cSld>
